--- a/CBP專案/發票工作主檔_檢查發票號碼(InvoiceWKMaster).pptx
+++ b/CBP專案/發票工作主檔_檢查發票號碼(InvoiceWKMaster).pptx
@@ -105,6 +105,11 @@
       </a:defRPr>
     </a:lvl9pPr>
   </p:defaultTextStyle>
+  <p:extLst>
+    <p:ext uri="{EFAFB233-063F-42B5-8137-9DF3F51BA10A}">
+      <p15:sldGuideLst xmlns:p15="http://schemas.microsoft.com/office/powerpoint/2012/main"/>
+    </p:ext>
+  </p:extLst>
 </p:presentation>
 </file>
 
@@ -255,7 +260,7 @@
           <a:p>
             <a:fld id="{632F1D4E-B721-4817-8797-5E33F8352EB2}" type="datetimeFigureOut">
               <a:rPr lang="zh-TW" altLang="en-US" smtClean="0"/>
-              <a:t>2023/4/14</a:t>
+              <a:t>2023/4/21</a:t>
             </a:fld>
             <a:endParaRPr lang="zh-TW" altLang="en-US"/>
           </a:p>
@@ -453,7 +458,7 @@
           <a:p>
             <a:fld id="{632F1D4E-B721-4817-8797-5E33F8352EB2}" type="datetimeFigureOut">
               <a:rPr lang="zh-TW" altLang="en-US" smtClean="0"/>
-              <a:t>2023/4/14</a:t>
+              <a:t>2023/4/21</a:t>
             </a:fld>
             <a:endParaRPr lang="zh-TW" altLang="en-US"/>
           </a:p>
@@ -661,7 +666,7 @@
           <a:p>
             <a:fld id="{632F1D4E-B721-4817-8797-5E33F8352EB2}" type="datetimeFigureOut">
               <a:rPr lang="zh-TW" altLang="en-US" smtClean="0"/>
-              <a:t>2023/4/14</a:t>
+              <a:t>2023/4/21</a:t>
             </a:fld>
             <a:endParaRPr lang="zh-TW" altLang="en-US"/>
           </a:p>
@@ -859,7 +864,7 @@
           <a:p>
             <a:fld id="{632F1D4E-B721-4817-8797-5E33F8352EB2}" type="datetimeFigureOut">
               <a:rPr lang="zh-TW" altLang="en-US" smtClean="0"/>
-              <a:t>2023/4/14</a:t>
+              <a:t>2023/4/21</a:t>
             </a:fld>
             <a:endParaRPr lang="zh-TW" altLang="en-US"/>
           </a:p>
@@ -1134,7 +1139,7 @@
           <a:p>
             <a:fld id="{632F1D4E-B721-4817-8797-5E33F8352EB2}" type="datetimeFigureOut">
               <a:rPr lang="zh-TW" altLang="en-US" smtClean="0"/>
-              <a:t>2023/4/14</a:t>
+              <a:t>2023/4/21</a:t>
             </a:fld>
             <a:endParaRPr lang="zh-TW" altLang="en-US"/>
           </a:p>
@@ -1399,7 +1404,7 @@
           <a:p>
             <a:fld id="{632F1D4E-B721-4817-8797-5E33F8352EB2}" type="datetimeFigureOut">
               <a:rPr lang="zh-TW" altLang="en-US" smtClean="0"/>
-              <a:t>2023/4/14</a:t>
+              <a:t>2023/4/21</a:t>
             </a:fld>
             <a:endParaRPr lang="zh-TW" altLang="en-US"/>
           </a:p>
@@ -1811,7 +1816,7 @@
           <a:p>
             <a:fld id="{632F1D4E-B721-4817-8797-5E33F8352EB2}" type="datetimeFigureOut">
               <a:rPr lang="zh-TW" altLang="en-US" smtClean="0"/>
-              <a:t>2023/4/14</a:t>
+              <a:t>2023/4/21</a:t>
             </a:fld>
             <a:endParaRPr lang="zh-TW" altLang="en-US"/>
           </a:p>
@@ -1952,7 +1957,7 @@
           <a:p>
             <a:fld id="{632F1D4E-B721-4817-8797-5E33F8352EB2}" type="datetimeFigureOut">
               <a:rPr lang="zh-TW" altLang="en-US" smtClean="0"/>
-              <a:t>2023/4/14</a:t>
+              <a:t>2023/4/21</a:t>
             </a:fld>
             <a:endParaRPr lang="zh-TW" altLang="en-US"/>
           </a:p>
@@ -2065,7 +2070,7 @@
           <a:p>
             <a:fld id="{632F1D4E-B721-4817-8797-5E33F8352EB2}" type="datetimeFigureOut">
               <a:rPr lang="zh-TW" altLang="en-US" smtClean="0"/>
-              <a:t>2023/4/14</a:t>
+              <a:t>2023/4/21</a:t>
             </a:fld>
             <a:endParaRPr lang="zh-TW" altLang="en-US"/>
           </a:p>
@@ -2376,7 +2381,7 @@
           <a:p>
             <a:fld id="{632F1D4E-B721-4817-8797-5E33F8352EB2}" type="datetimeFigureOut">
               <a:rPr lang="zh-TW" altLang="en-US" smtClean="0"/>
-              <a:t>2023/4/14</a:t>
+              <a:t>2023/4/21</a:t>
             </a:fld>
             <a:endParaRPr lang="zh-TW" altLang="en-US"/>
           </a:p>
@@ -2664,7 +2669,7 @@
           <a:p>
             <a:fld id="{632F1D4E-B721-4817-8797-5E33F8352EB2}" type="datetimeFigureOut">
               <a:rPr lang="zh-TW" altLang="en-US" smtClean="0"/>
-              <a:t>2023/4/14</a:t>
+              <a:t>2023/4/21</a:t>
             </a:fld>
             <a:endParaRPr lang="zh-TW" altLang="en-US"/>
           </a:p>
@@ -2905,7 +2910,7 @@
           <a:p>
             <a:fld id="{632F1D4E-B721-4817-8797-5E33F8352EB2}" type="datetimeFigureOut">
               <a:rPr lang="zh-TW" altLang="en-US" smtClean="0"/>
-              <a:t>2023/4/14</a:t>
+              <a:t>2023/4/21</a:t>
             </a:fld>
             <a:endParaRPr lang="zh-TW" altLang="en-US"/>
           </a:p>
@@ -3534,8 +3539,8 @@
         </p:nvSpPr>
         <p:spPr>
           <a:xfrm>
-            <a:off x="250127" y="2598734"/>
-            <a:ext cx="5038153" cy="461665"/>
+            <a:off x="295847" y="2661255"/>
+            <a:ext cx="4992433" cy="461665"/>
           </a:xfrm>
           <a:prstGeom prst="rect">
             <a:avLst/>
